--- a/Dream Reapers V6.pptx
+++ b/Dream Reapers V6.pptx
@@ -20,12 +20,12 @@
     <p:sldId id="270" r:id="rId8"/>
     <p:sldId id="262" r:id="rId9"/>
     <p:sldId id="265" r:id="rId10"/>
-    <p:sldId id="268" r:id="rId11"/>
-    <p:sldId id="266" r:id="rId12"/>
-    <p:sldId id="276" r:id="rId13"/>
-    <p:sldId id="277" r:id="rId14"/>
-    <p:sldId id="278" r:id="rId15"/>
-    <p:sldId id="280" r:id="rId16"/>
+    <p:sldId id="280" r:id="rId11"/>
+    <p:sldId id="268" r:id="rId12"/>
+    <p:sldId id="266" r:id="rId13"/>
+    <p:sldId id="276" r:id="rId14"/>
+    <p:sldId id="277" r:id="rId15"/>
+    <p:sldId id="278" r:id="rId16"/>
     <p:sldId id="272" r:id="rId17"/>
   </p:sldIdLst>
   <p:sldSz cx="12192000" cy="6858000"/>
@@ -802,54 +802,22 @@
           <a:bodyPr/>
           <a:lstStyle/>
           <a:p>
-            <a:pPr marL="0" marR="0" lvl="0" indent="0" algn="l" defTabSz="914400" rtl="0" eaLnBrk="1" fontAlgn="auto" latinLnBrk="0" hangingPunct="1">
-              <a:lnSpc>
-                <a:spcPct val="100000"/>
-              </a:lnSpc>
-              <a:spcBef>
-                <a:spcPts val="0"/>
-              </a:spcBef>
-              <a:spcAft>
-                <a:spcPts val="0"/>
-              </a:spcAft>
-              <a:buClrTx/>
-              <a:buSzTx/>
-              <a:buFontTx/>
-              <a:buNone/>
-              <a:tabLst/>
-              <a:defRPr/>
-            </a:pPr>
             <a:r>
               <a:rPr lang="en-US" dirty="0"/>
-              <a:t>We also looked at daily sentiment for movies released in the past week and a half and upcoming movies. On the left are 4 movies that released on the 9</a:t>
-            </a:r>
-            <a:r>
-              <a:rPr lang="en-US" baseline="30000" dirty="0"/>
-              <a:t>th</a:t>
-            </a:r>
+              <a:t>Shilpa:</a:t>
+            </a:r>
+          </a:p>
+          <a:p>
             <a:r>
               <a:rPr lang="en-US" dirty="0"/>
-              <a:t>. The marker size represents the number of tweet counts, so you can see whether or not a movie increased in buzz after the release or decreased. A Wrinkle in Time showed a massive positive spike in twitter sentiment the day before release, however, dropped on the day of. But then regained it’s positive sentiment. For the Hurricane Heist in green, tweet sentiment was really positive, but has been declining ever since release. And one can predict that this movie may not do well. On the right are two movies released on </a:t>
-            </a:r>
-            <a:r>
-              <a:rPr lang="en-US" dirty="0" err="1"/>
-              <a:t>thet</a:t>
-            </a:r>
+              <a:t>Twitter sentiment vs Revenue/Budget ratio: We ran a regression of the movie compound tweet polarity with the Ratio of Budget vs Opening weekend revenue.  Ratio was considered just to be fair to the low budget movies. This plot looks pretty much inconclusive. From this we can see that, the earnings ratio was consistent even with lower polarity.  Even with a high polarity, the ratio still remained low. </a:t>
+            </a:r>
+          </a:p>
+          <a:p>
             <a:r>
               <a:rPr lang="en-US" dirty="0"/>
-              <a:t> 16</a:t>
-            </a:r>
-            <a:r>
-              <a:rPr lang="en-US" baseline="30000" dirty="0"/>
-              <a:t>th</a:t>
-            </a:r>
-            <a:r>
-              <a:rPr lang="en-US" dirty="0"/>
-              <a:t>, last Friday.  Both movies had decent buzz. Love Simon, in blue, had a major dip two days before release for some reason. </a:t>
-            </a:r>
-          </a:p>
-          <a:p>
-            <a:endParaRPr lang="en-US" dirty="0"/>
+              <a:t>Twitter Sentiment vs Z-Total: From this we can see that there’s a very slight correlation between the polarity and the success score. The success score was calculated considering the z-scores of the Budget/Rev ration, rating, budget and the opening weekend revenue (All the factors that contribute to a movie’s success). Some movies like Star Wars did extremely well with a very high success score in spite of lower tweet polarity. Whereas movies like Hitman’s Bodyguard weren’t really successful in spite of higher tweet polarity.</a:t>
+            </a:r>
           </a:p>
         </p:txBody>
       </p:sp>
@@ -879,7 +847,7 @@
     </p:spTree>
     <p:extLst>
       <p:ext uri="{BB962C8B-B14F-4D97-AF65-F5344CB8AC3E}">
-        <p14:creationId xmlns:p14="http://schemas.microsoft.com/office/powerpoint/2010/main" val="3346686558"/>
+        <p14:creationId xmlns:p14="http://schemas.microsoft.com/office/powerpoint/2010/main" val="1413715170"/>
       </p:ext>
     </p:extLst>
   </p:cSld>
@@ -933,10 +901,54 @@
           <a:bodyPr/>
           <a:lstStyle/>
           <a:p>
+            <a:pPr marL="0" marR="0" lvl="0" indent="0" algn="l" defTabSz="914400" rtl="0" eaLnBrk="1" fontAlgn="auto" latinLnBrk="0" hangingPunct="1">
+              <a:lnSpc>
+                <a:spcPct val="100000"/>
+              </a:lnSpc>
+              <a:spcBef>
+                <a:spcPts val="0"/>
+              </a:spcBef>
+              <a:spcAft>
+                <a:spcPts val="0"/>
+              </a:spcAft>
+              <a:buClrTx/>
+              <a:buSzTx/>
+              <a:buFontTx/>
+              <a:buNone/>
+              <a:tabLst/>
+              <a:defRPr/>
+            </a:pPr>
             <a:r>
               <a:rPr lang="en-US" dirty="0"/>
-              <a:t>And here are upcoming movies. Ready Player One, in green, shows high positive sentiment.</a:t>
-            </a:r>
+              <a:t>We also looked at daily sentiment for movies released in the past week and a half and upcoming movies. On the left are 4 movies that released on the 9</a:t>
+            </a:r>
+            <a:r>
+              <a:rPr lang="en-US" baseline="30000" dirty="0"/>
+              <a:t>th</a:t>
+            </a:r>
+            <a:r>
+              <a:rPr lang="en-US" dirty="0"/>
+              <a:t>. The marker size represents the number of tweet counts, so you can see whether or not a movie increased in buzz after the release or decreased. A Wrinkle in Time showed a massive positive spike in twitter sentiment the day before release, however, dropped on the day of. But then regained it’s positive sentiment. For the Hurricane Heist in green, tweet sentiment was really positive, but has been declining ever since release. And one can predict that this movie may not do well. On the right are two movies released on </a:t>
+            </a:r>
+            <a:r>
+              <a:rPr lang="en-US" dirty="0" err="1"/>
+              <a:t>thet</a:t>
+            </a:r>
+            <a:r>
+              <a:rPr lang="en-US" dirty="0"/>
+              <a:t> 16</a:t>
+            </a:r>
+            <a:r>
+              <a:rPr lang="en-US" baseline="30000" dirty="0"/>
+              <a:t>th</a:t>
+            </a:r>
+            <a:r>
+              <a:rPr lang="en-US" dirty="0"/>
+              <a:t>, last Friday.  Both movies had decent buzz. Love Simon, in blue, had a major dip two days before release for some reason. </a:t>
+            </a:r>
+          </a:p>
+          <a:p>
+            <a:endParaRPr lang="en-US" dirty="0"/>
           </a:p>
         </p:txBody>
       </p:sp>
@@ -966,7 +978,7 @@
     </p:spTree>
     <p:extLst>
       <p:ext uri="{BB962C8B-B14F-4D97-AF65-F5344CB8AC3E}">
-        <p14:creationId xmlns:p14="http://schemas.microsoft.com/office/powerpoint/2010/main" val="1264900975"/>
+        <p14:creationId xmlns:p14="http://schemas.microsoft.com/office/powerpoint/2010/main" val="3346686558"/>
       </p:ext>
     </p:extLst>
   </p:cSld>
@@ -1022,16 +1034,7 @@
           <a:p>
             <a:r>
               <a:rPr lang="en-US" dirty="0"/>
-              <a:t>We were also able to run predictions based on our overall regression model. While the model is supposed to be run prospectively, it does work movies in the past. We graphed the last weekend movies based solely on our model. The purple squares represent what our model predicts as the movie success score, while the green triangles represent the actual movie success score of the same movies based on their actual revenues, ratings, and budgets. Lastly, we have built in code that will allow you to enter any movie that you want to search, we will search for twitter for the recent twitter sentiment and then use that sentiment to predict score based on genre, rating and our overall regression model.</a:t>
-            </a:r>
-          </a:p>
-          <a:p>
-            <a:endParaRPr lang="en-US" dirty="0"/>
-          </a:p>
-          <a:p>
-            <a:r>
-              <a:rPr lang="en-US" dirty="0"/>
-              <a:t>[May want to run the code a couple of times.]</a:t>
+              <a:t>And here are upcoming movies. Ready Player One, in green, shows high positive sentiment.</a:t>
             </a:r>
           </a:p>
         </p:txBody>
@@ -1062,7 +1065,7 @@
     </p:spTree>
     <p:extLst>
       <p:ext uri="{BB962C8B-B14F-4D97-AF65-F5344CB8AC3E}">
-        <p14:creationId xmlns:p14="http://schemas.microsoft.com/office/powerpoint/2010/main" val="3985983998"/>
+        <p14:creationId xmlns:p14="http://schemas.microsoft.com/office/powerpoint/2010/main" val="1264900975"/>
       </p:ext>
     </p:extLst>
   </p:cSld>
@@ -1158,7 +1161,7 @@
     </p:spTree>
     <p:extLst>
       <p:ext uri="{BB962C8B-B14F-4D97-AF65-F5344CB8AC3E}">
-        <p14:creationId xmlns:p14="http://schemas.microsoft.com/office/powerpoint/2010/main" val="3736164336"/>
+        <p14:creationId xmlns:p14="http://schemas.microsoft.com/office/powerpoint/2010/main" val="3985983998"/>
       </p:ext>
     </p:extLst>
   </p:cSld>
@@ -1881,7 +1884,16 @@
           <a:p>
             <a:r>
               <a:rPr lang="en-US" dirty="0"/>
-              <a:t>We also wanted to do a bit of an analysis based on movies and genre. We found that overall, a lot of money is spent on Adventure movies and this also makes up a bulk of the revenue. Next, we ran a regression of the movie tweet compound average polarity with the movie success score per genre. From this we found that based on tweet polarity, the genre with the best positive correlation was horror, followed by Action. The worst movies were musicals which had a strong negative correlation.</a:t>
+              <a:t>We were also able to run predictions based on our overall regression model. While the model is supposed to be run prospectively, it does work movies in the past. We graphed the last weekend movies based solely on our model. The purple squares represent what our model predicts as the movie success score, while the green triangles represent the actual movie success score of the same movies based on their actual revenues, ratings, and budgets. Lastly, we have built in code that will allow you to enter any movie that you want to search, we will search for twitter for the recent twitter sentiment and then use that sentiment to predict score based on genre, rating and our overall regression model.</a:t>
+            </a:r>
+          </a:p>
+          <a:p>
+            <a:endParaRPr lang="en-US" dirty="0"/>
+          </a:p>
+          <a:p>
+            <a:r>
+              <a:rPr lang="en-US" dirty="0"/>
+              <a:t>[May want to run the code a couple of times.]</a:t>
             </a:r>
           </a:p>
         </p:txBody>
@@ -1912,7 +1924,7 @@
     </p:spTree>
     <p:extLst>
       <p:ext uri="{BB962C8B-B14F-4D97-AF65-F5344CB8AC3E}">
-        <p14:creationId xmlns:p14="http://schemas.microsoft.com/office/powerpoint/2010/main" val="2347795289"/>
+        <p14:creationId xmlns:p14="http://schemas.microsoft.com/office/powerpoint/2010/main" val="3736164336"/>
       </p:ext>
     </p:extLst>
   </p:cSld>
@@ -1968,19 +1980,7 @@
           <a:p>
             <a:r>
               <a:rPr lang="en-US" dirty="0"/>
-              <a:t>Shilpa:</a:t>
-            </a:r>
-          </a:p>
-          <a:p>
-            <a:r>
-              <a:rPr lang="en-US" dirty="0"/>
-              <a:t>Twitter sentiment vs Revenue/Budget ratio: We ran a regression of the movie compound tweet polarity with the Ratio of Budget vs Opening weekend revenue.  Ratio was considered just to be fair to the low budget movies. This plot looks pretty much inconclusive. From this we can see that, the earnings ratio was consistent even with lower polarity.  Even with a high polarity, the ratio still remained low. </a:t>
-            </a:r>
-          </a:p>
-          <a:p>
-            <a:r>
-              <a:rPr lang="en-US" dirty="0"/>
-              <a:t>Twitter Sentiment vs Z-Total: From this we can see that there’s a very slight correlation between the polarity and the success score. The success score was calculated considering the z-scores of the Budget/Rev ration, rating, budget and the opening weekend revenue (All the factors that contribute to a movie’s success). Some movies like Star Wars did extremely well with a very high success score in spite of lower tweet polarity. Whereas movies like Hitman’s Bodyguard weren’t really successful in spite of higher tweet polarity.</a:t>
+              <a:t>We also wanted to do a bit of an analysis based on movies and genre. We found that overall, a lot of money is spent on Adventure movies and this also makes up a bulk of the revenue. Next, we ran a regression of the movie tweet compound average polarity with the movie success score per genre. From this we found that based on tweet polarity, the genre with the best positive correlation was horror, followed by Action. The worst movies were musicals which had a strong negative correlation.</a:t>
             </a:r>
           </a:p>
         </p:txBody>
@@ -2011,7 +2011,7 @@
     </p:spTree>
     <p:extLst>
       <p:ext uri="{BB962C8B-B14F-4D97-AF65-F5344CB8AC3E}">
-        <p14:creationId xmlns:p14="http://schemas.microsoft.com/office/powerpoint/2010/main" val="1413715170"/>
+        <p14:creationId xmlns:p14="http://schemas.microsoft.com/office/powerpoint/2010/main" val="2347795289"/>
       </p:ext>
     </p:extLst>
   </p:cSld>
@@ -5452,10 +5452,10 @@
       </p:grpSpPr>
       <p:pic>
         <p:nvPicPr>
-          <p:cNvPr id="3076" name="Picture 4" descr="GenreSentimentVsScoreRegression.png">
-            <a:extLst>
-              <a:ext uri="{FF2B5EF4-FFF2-40B4-BE49-F238E27FC236}">
-                <a16:creationId xmlns:a16="http://schemas.microsoft.com/office/drawing/2014/main" id="{B15EFD1F-CDD4-491A-A2F4-41FB710789A0}"/>
+          <p:cNvPr id="9" name="Picture 2" descr="BudgetVsTwitterSentiment.png">
+            <a:extLst>
+              <a:ext uri="{FF2B5EF4-FFF2-40B4-BE49-F238E27FC236}">
+                <a16:creationId xmlns:a16="http://schemas.microsoft.com/office/drawing/2014/main" id="{FCE30207-BFD5-4E53-9098-2B6B665CFC95}"/>
               </a:ext>
             </a:extLst>
           </p:cNvPr>
@@ -5479,8 +5479,8 @@
         </p:blipFill>
         <p:spPr bwMode="auto">
           <a:xfrm>
-            <a:off x="5612130" y="1541734"/>
-            <a:ext cx="6888479" cy="4592319"/>
+            <a:off x="2294772" y="1577301"/>
+            <a:ext cx="7157567" cy="4914863"/>
           </a:xfrm>
           <a:prstGeom prst="rect">
             <a:avLst/>
@@ -5615,10 +5615,38 @@
       </p:cxnSp>
       <p:sp>
         <p:nvSpPr>
-          <p:cNvPr id="2" name="TextBox 1">
-            <a:extLst>
-              <a:ext uri="{FF2B5EF4-FFF2-40B4-BE49-F238E27FC236}">
-                <a16:creationId xmlns:a16="http://schemas.microsoft.com/office/drawing/2014/main" id="{E0F49959-D49E-4B68-BEA7-AAD9B3E10EAC}"/>
+          <p:cNvPr id="4" name="Footer Placeholder 3">
+            <a:extLst>
+              <a:ext uri="{FF2B5EF4-FFF2-40B4-BE49-F238E27FC236}">
+                <a16:creationId xmlns:a16="http://schemas.microsoft.com/office/drawing/2014/main" id="{0F67FE2B-69D1-4B0B-9998-2D01AE597E43}"/>
+              </a:ext>
+            </a:extLst>
+          </p:cNvPr>
+          <p:cNvSpPr>
+            <a:spLocks noGrp="1"/>
+          </p:cNvSpPr>
+          <p:nvPr>
+            <p:ph type="ftr" sz="quarter" idx="11"/>
+          </p:nvPr>
+        </p:nvSpPr>
+        <p:spPr/>
+        <p:txBody>
+          <a:bodyPr/>
+          <a:lstStyle/>
+          <a:p>
+            <a:r>
+              <a:rPr lang="en-US" dirty="0"/>
+              <a:t>Dream Reapers</a:t>
+            </a:r>
+          </a:p>
+        </p:txBody>
+      </p:sp>
+      <p:sp>
+        <p:nvSpPr>
+          <p:cNvPr id="8" name="TextBox 7">
+            <a:extLst>
+              <a:ext uri="{FF2B5EF4-FFF2-40B4-BE49-F238E27FC236}">
+                <a16:creationId xmlns:a16="http://schemas.microsoft.com/office/drawing/2014/main" id="{97030885-E526-43FB-9E8F-E5DFE294FAE1}"/>
               </a:ext>
             </a:extLst>
           </p:cNvPr>
@@ -5627,7 +5655,7 @@
         </p:nvSpPr>
         <p:spPr>
           <a:xfrm>
-            <a:off x="2458584" y="330684"/>
+            <a:off x="2458584" y="319029"/>
             <a:ext cx="8290929" cy="707886"/>
           </a:xfrm>
           <a:prstGeom prst="rect">
@@ -5644,90 +5672,15 @@
             <a:pPr algn="ctr"/>
             <a:r>
               <a:rPr lang="en-US" sz="4000" dirty="0"/>
-              <a:t>Genre: Opening Revenue and Success</a:t>
-            </a:r>
-          </a:p>
-        </p:txBody>
-      </p:sp>
-      <p:sp>
-        <p:nvSpPr>
-          <p:cNvPr id="4" name="Footer Placeholder 3">
-            <a:extLst>
-              <a:ext uri="{FF2B5EF4-FFF2-40B4-BE49-F238E27FC236}">
-                <a16:creationId xmlns:a16="http://schemas.microsoft.com/office/drawing/2014/main" id="{11BB3E39-844B-4435-B691-406E36A5D1CC}"/>
-              </a:ext>
-            </a:extLst>
-          </p:cNvPr>
-          <p:cNvSpPr>
-            <a:spLocks noGrp="1"/>
-          </p:cNvSpPr>
-          <p:nvPr>
-            <p:ph type="ftr" sz="quarter" idx="11"/>
-          </p:nvPr>
-        </p:nvSpPr>
-        <p:spPr/>
-        <p:txBody>
-          <a:bodyPr/>
-          <a:lstStyle/>
-          <a:p>
-            <a:r>
-              <a:rPr lang="en-US" dirty="0"/>
-              <a:t>Dream Reapers</a:t>
-            </a:r>
-          </a:p>
-        </p:txBody>
-      </p:sp>
-      <p:pic>
-        <p:nvPicPr>
-          <p:cNvPr id="3074" name="Picture 2" descr="GenreBudgetRevenue.png">
-            <a:extLst>
-              <a:ext uri="{FF2B5EF4-FFF2-40B4-BE49-F238E27FC236}">
-                <a16:creationId xmlns:a16="http://schemas.microsoft.com/office/drawing/2014/main" id="{5E320FCB-8989-46E5-B609-5F8CECF03E9E}"/>
-              </a:ext>
-            </a:extLst>
-          </p:cNvPr>
-          <p:cNvPicPr>
-            <a:picLocks noChangeAspect="1" noChangeArrowheads="1"/>
-          </p:cNvPicPr>
-          <p:nvPr/>
-        </p:nvPicPr>
-        <p:blipFill>
-          <a:blip r:embed="rId6">
-            <a:extLst>
-              <a:ext uri="{28A0092B-C50C-407E-A947-70E740481C1C}">
-                <a14:useLocalDpi xmlns:a14="http://schemas.microsoft.com/office/drawing/2010/main" val="0"/>
-              </a:ext>
-            </a:extLst>
-          </a:blip>
-          <a:srcRect/>
-          <a:stretch>
-            <a:fillRect/>
-          </a:stretch>
-        </p:blipFill>
-        <p:spPr bwMode="auto">
-          <a:xfrm>
-            <a:off x="128356" y="1891960"/>
-            <a:ext cx="5864773" cy="4646952"/>
-          </a:xfrm>
-          <a:prstGeom prst="rect">
-            <a:avLst/>
-          </a:prstGeom>
-          <a:noFill/>
-          <a:extLst>
-            <a:ext uri="{909E8E84-426E-40DD-AFC4-6F175D3DCCD1}">
-              <a14:hiddenFill xmlns:a14="http://schemas.microsoft.com/office/drawing/2010/main">
-                <a:solidFill>
-                  <a:srgbClr val="FFFFFF"/>
-                </a:solidFill>
-              </a14:hiddenFill>
-            </a:ext>
-          </a:extLst>
-        </p:spPr>
-      </p:pic>
+              <a:t>Sentiment vs Budget</a:t>
+            </a:r>
+          </a:p>
+        </p:txBody>
+      </p:sp>
     </p:spTree>
     <p:extLst>
       <p:ext uri="{BB962C8B-B14F-4D97-AF65-F5344CB8AC3E}">
-        <p14:creationId xmlns:p14="http://schemas.microsoft.com/office/powerpoint/2010/main" val="2010942084"/>
+        <p14:creationId xmlns:p14="http://schemas.microsoft.com/office/powerpoint/2010/main" val="919353379"/>
       </p:ext>
     </p:extLst>
   </p:cSld>
@@ -5756,15 +5709,15 @@
       </p:grpSpPr>
       <p:pic>
         <p:nvPicPr>
-          <p:cNvPr id="5" name="Picture 4">
-            <a:extLst>
-              <a:ext uri="{FF2B5EF4-FFF2-40B4-BE49-F238E27FC236}">
-                <a16:creationId xmlns:a16="http://schemas.microsoft.com/office/drawing/2014/main" id="{D1C69375-41F1-45F5-8E7B-E534E64F2A6F}"/>
+          <p:cNvPr id="3076" name="Picture 4" descr="GenreSentimentVsScoreRegression.png">
+            <a:extLst>
+              <a:ext uri="{FF2B5EF4-FFF2-40B4-BE49-F238E27FC236}">
+                <a16:creationId xmlns:a16="http://schemas.microsoft.com/office/drawing/2014/main" id="{B15EFD1F-CDD4-491A-A2F4-41FB710789A0}"/>
               </a:ext>
             </a:extLst>
           </p:cNvPr>
           <p:cNvPicPr>
-            <a:picLocks noChangeAspect="1"/>
+            <a:picLocks noChangeAspect="1" noChangeArrowheads="1"/>
           </p:cNvPicPr>
           <p:nvPr/>
         </p:nvPicPr>
@@ -5776,27 +5729,37 @@
               </a:ext>
             </a:extLst>
           </a:blip>
+          <a:srcRect/>
           <a:stretch>
             <a:fillRect/>
           </a:stretch>
         </p:blipFill>
-        <p:spPr>
-          <a:xfrm>
-            <a:off x="10749513" y="32969"/>
-            <a:ext cx="1412026" cy="1355826"/>
+        <p:spPr bwMode="auto">
+          <a:xfrm>
+            <a:off x="5612130" y="1541734"/>
+            <a:ext cx="6888479" cy="4592319"/>
           </a:xfrm>
           <a:prstGeom prst="rect">
             <a:avLst/>
           </a:prstGeom>
           <a:noFill/>
+          <a:extLst>
+            <a:ext uri="{909E8E84-426E-40DD-AFC4-6F175D3DCCD1}">
+              <a14:hiddenFill xmlns:a14="http://schemas.microsoft.com/office/drawing/2010/main">
+                <a:solidFill>
+                  <a:srgbClr val="FFFFFF"/>
+                </a:solidFill>
+              </a14:hiddenFill>
+            </a:ext>
+          </a:extLst>
         </p:spPr>
       </p:pic>
       <p:pic>
         <p:nvPicPr>
-          <p:cNvPr id="7" name="Picture 6">
-            <a:extLst>
-              <a:ext uri="{FF2B5EF4-FFF2-40B4-BE49-F238E27FC236}">
-                <a16:creationId xmlns:a16="http://schemas.microsoft.com/office/drawing/2014/main" id="{9A286EDD-C125-472D-AC79-64164B65CB65}"/>
+          <p:cNvPr id="5" name="Picture 4">
+            <a:extLst>
+              <a:ext uri="{FF2B5EF4-FFF2-40B4-BE49-F238E27FC236}">
+                <a16:creationId xmlns:a16="http://schemas.microsoft.com/office/drawing/2014/main" id="{D1C69375-41F1-45F5-8E7B-E534E64F2A6F}"/>
               </a:ext>
             </a:extLst>
           </p:cNvPr>
@@ -5807,6 +5770,43 @@
         </p:nvPicPr>
         <p:blipFill>
           <a:blip r:embed="rId4">
+            <a:extLst>
+              <a:ext uri="{28A0092B-C50C-407E-A947-70E740481C1C}">
+                <a14:useLocalDpi xmlns:a14="http://schemas.microsoft.com/office/drawing/2010/main" val="0"/>
+              </a:ext>
+            </a:extLst>
+          </a:blip>
+          <a:stretch>
+            <a:fillRect/>
+          </a:stretch>
+        </p:blipFill>
+        <p:spPr>
+          <a:xfrm>
+            <a:off x="10749513" y="32969"/>
+            <a:ext cx="1412026" cy="1355826"/>
+          </a:xfrm>
+          <a:prstGeom prst="rect">
+            <a:avLst/>
+          </a:prstGeom>
+          <a:noFill/>
+        </p:spPr>
+      </p:pic>
+      <p:pic>
+        <p:nvPicPr>
+          <p:cNvPr id="7" name="Picture 6">
+            <a:extLst>
+              <a:ext uri="{FF2B5EF4-FFF2-40B4-BE49-F238E27FC236}">
+                <a16:creationId xmlns:a16="http://schemas.microsoft.com/office/drawing/2014/main" id="{9A286EDD-C125-472D-AC79-64164B65CB65}"/>
+              </a:ext>
+            </a:extLst>
+          </p:cNvPr>
+          <p:cNvPicPr>
+            <a:picLocks noChangeAspect="1"/>
+          </p:cNvPicPr>
+          <p:nvPr/>
+        </p:nvPicPr>
+        <p:blipFill>
+          <a:blip r:embed="rId5">
             <a:extLst>
               <a:ext uri="{28A0092B-C50C-407E-A947-70E740481C1C}">
                 <a14:useLocalDpi xmlns:a14="http://schemas.microsoft.com/office/drawing/2010/main" val="0"/>
@@ -5884,8 +5884,8 @@
         </p:nvSpPr>
         <p:spPr>
           <a:xfrm>
-            <a:off x="2257817" y="359394"/>
-            <a:ext cx="8491696" cy="707886"/>
+            <a:off x="2458584" y="330684"/>
+            <a:ext cx="8290929" cy="707886"/>
           </a:xfrm>
           <a:prstGeom prst="rect">
             <a:avLst/>
@@ -5901,7 +5901,7 @@
             <a:pPr algn="ctr"/>
             <a:r>
               <a:rPr lang="en-US" sz="4000" dirty="0"/>
-              <a:t>Regression: Open to Budget &amp; Success</a:t>
+              <a:t>Genre: Opening Revenue and Success</a:t>
             </a:r>
           </a:p>
         </p:txBody>
@@ -5911,7 +5911,7 @@
           <p:cNvPr id="4" name="Footer Placeholder 3">
             <a:extLst>
               <a:ext uri="{FF2B5EF4-FFF2-40B4-BE49-F238E27FC236}">
-                <a16:creationId xmlns:a16="http://schemas.microsoft.com/office/drawing/2014/main" id="{0FAD60B5-3FD4-47F6-9F02-07F63FFA423C}"/>
+                <a16:creationId xmlns:a16="http://schemas.microsoft.com/office/drawing/2014/main" id="{11BB3E39-844B-4435-B691-406E36A5D1CC}"/>
               </a:ext>
             </a:extLst>
           </p:cNvPr>
@@ -5936,45 +5936,10 @@
       </p:sp>
       <p:pic>
         <p:nvPicPr>
-          <p:cNvPr id="6" name="Picture 5">
-            <a:extLst>
-              <a:ext uri="{FF2B5EF4-FFF2-40B4-BE49-F238E27FC236}">
-                <a16:creationId xmlns:a16="http://schemas.microsoft.com/office/drawing/2014/main" id="{30F4E7DE-FC73-4837-A58A-9F8ED6464E32}"/>
-              </a:ext>
-            </a:extLst>
-          </p:cNvPr>
-          <p:cNvPicPr>
-            <a:picLocks noChangeAspect="1"/>
-          </p:cNvPicPr>
-          <p:nvPr/>
-        </p:nvPicPr>
-        <p:blipFill rotWithShape="1">
-          <a:blip r:embed="rId5">
-            <a:extLst>
-              <a:ext uri="{28A0092B-C50C-407E-A947-70E740481C1C}">
-                <a14:useLocalDpi xmlns:a14="http://schemas.microsoft.com/office/drawing/2010/main" val="0"/>
-              </a:ext>
-            </a:extLst>
-          </a:blip>
-          <a:srcRect l="5120" r="7588"/>
-          <a:stretch/>
-        </p:blipFill>
-        <p:spPr>
-          <a:xfrm>
-            <a:off x="-6517" y="1710311"/>
-            <a:ext cx="6059845" cy="4628014"/>
-          </a:xfrm>
-          <a:prstGeom prst="rect">
-            <a:avLst/>
-          </a:prstGeom>
-        </p:spPr>
-      </p:pic>
-      <p:pic>
-        <p:nvPicPr>
-          <p:cNvPr id="4100" name="Picture 4" descr="ZtotalVsTwitterSentiment.png">
-            <a:extLst>
-              <a:ext uri="{FF2B5EF4-FFF2-40B4-BE49-F238E27FC236}">
-                <a16:creationId xmlns:a16="http://schemas.microsoft.com/office/drawing/2014/main" id="{3AEAF765-0F4F-434C-84F7-A7A7FD683B6A}"/>
+          <p:cNvPr id="3074" name="Picture 2" descr="GenreBudgetRevenue.png">
+            <a:extLst>
+              <a:ext uri="{FF2B5EF4-FFF2-40B4-BE49-F238E27FC236}">
+                <a16:creationId xmlns:a16="http://schemas.microsoft.com/office/drawing/2014/main" id="{5E320FCB-8989-46E5-B609-5F8CECF03E9E}"/>
               </a:ext>
             </a:extLst>
           </p:cNvPr>
@@ -5983,7 +5948,7 @@
           </p:cNvPicPr>
           <p:nvPr/>
         </p:nvPicPr>
-        <p:blipFill rotWithShape="1">
+        <p:blipFill>
           <a:blip r:embed="rId6">
             <a:extLst>
               <a:ext uri="{28A0092B-C50C-407E-A947-70E740481C1C}">
@@ -5991,13 +5956,15 @@
               </a:ext>
             </a:extLst>
           </a:blip>
-          <a:srcRect l="4997" t="1" r="6936" b="-818"/>
-          <a:stretch/>
+          <a:srcRect/>
+          <a:stretch>
+            <a:fillRect/>
+          </a:stretch>
         </p:blipFill>
         <p:spPr bwMode="auto">
           <a:xfrm>
-            <a:off x="5889157" y="1673734"/>
-            <a:ext cx="6272783" cy="4787411"/>
+            <a:off x="128356" y="1891960"/>
+            <a:ext cx="5864773" cy="4646952"/>
           </a:xfrm>
           <a:prstGeom prst="rect">
             <a:avLst/>
@@ -6017,7 +5984,7 @@
     </p:spTree>
     <p:extLst>
       <p:ext uri="{BB962C8B-B14F-4D97-AF65-F5344CB8AC3E}">
-        <p14:creationId xmlns:p14="http://schemas.microsoft.com/office/powerpoint/2010/main" val="1510243470"/>
+        <p14:creationId xmlns:p14="http://schemas.microsoft.com/office/powerpoint/2010/main" val="2010942084"/>
       </p:ext>
     </p:extLst>
   </p:cSld>
@@ -6046,15 +6013,15 @@
       </p:grpSpPr>
       <p:pic>
         <p:nvPicPr>
-          <p:cNvPr id="5124" name="Picture 4" descr="PredictionDailySentiment_20180316.png">
-            <a:extLst>
-              <a:ext uri="{FF2B5EF4-FFF2-40B4-BE49-F238E27FC236}">
-                <a16:creationId xmlns:a16="http://schemas.microsoft.com/office/drawing/2014/main" id="{35FC9A94-81BB-48C4-9149-AFACE55EF724}"/>
+          <p:cNvPr id="5" name="Picture 4">
+            <a:extLst>
+              <a:ext uri="{FF2B5EF4-FFF2-40B4-BE49-F238E27FC236}">
+                <a16:creationId xmlns:a16="http://schemas.microsoft.com/office/drawing/2014/main" id="{D1C69375-41F1-45F5-8E7B-E534E64F2A6F}"/>
               </a:ext>
             </a:extLst>
           </p:cNvPr>
           <p:cNvPicPr>
-            <a:picLocks noChangeAspect="1" noChangeArrowheads="1"/>
+            <a:picLocks noChangeAspect="1"/>
           </p:cNvPicPr>
           <p:nvPr/>
         </p:nvPicPr>
@@ -6066,37 +6033,27 @@
               </a:ext>
             </a:extLst>
           </a:blip>
-          <a:srcRect/>
           <a:stretch>
             <a:fillRect/>
           </a:stretch>
         </p:blipFill>
-        <p:spPr bwMode="auto">
-          <a:xfrm>
-            <a:off x="5878829" y="1729080"/>
-            <a:ext cx="6630562" cy="4420374"/>
+        <p:spPr>
+          <a:xfrm>
+            <a:off x="10749513" y="32969"/>
+            <a:ext cx="1412026" cy="1355826"/>
           </a:xfrm>
           <a:prstGeom prst="rect">
             <a:avLst/>
           </a:prstGeom>
           <a:noFill/>
-          <a:extLst>
-            <a:ext uri="{909E8E84-426E-40DD-AFC4-6F175D3DCCD1}">
-              <a14:hiddenFill xmlns:a14="http://schemas.microsoft.com/office/drawing/2010/main">
-                <a:solidFill>
-                  <a:srgbClr val="FFFFFF"/>
-                </a:solidFill>
-              </a14:hiddenFill>
-            </a:ext>
-          </a:extLst>
         </p:spPr>
       </p:pic>
       <p:pic>
         <p:nvPicPr>
-          <p:cNvPr id="5" name="Picture 4">
-            <a:extLst>
-              <a:ext uri="{FF2B5EF4-FFF2-40B4-BE49-F238E27FC236}">
-                <a16:creationId xmlns:a16="http://schemas.microsoft.com/office/drawing/2014/main" id="{D1C69375-41F1-45F5-8E7B-E534E64F2A6F}"/>
+          <p:cNvPr id="7" name="Picture 6">
+            <a:extLst>
+              <a:ext uri="{FF2B5EF4-FFF2-40B4-BE49-F238E27FC236}">
+                <a16:creationId xmlns:a16="http://schemas.microsoft.com/office/drawing/2014/main" id="{9A286EDD-C125-472D-AC79-64164B65CB65}"/>
               </a:ext>
             </a:extLst>
           </p:cNvPr>
@@ -6107,43 +6064,6 @@
         </p:nvPicPr>
         <p:blipFill>
           <a:blip r:embed="rId4">
-            <a:extLst>
-              <a:ext uri="{28A0092B-C50C-407E-A947-70E740481C1C}">
-                <a14:useLocalDpi xmlns:a14="http://schemas.microsoft.com/office/drawing/2010/main" val="0"/>
-              </a:ext>
-            </a:extLst>
-          </a:blip>
-          <a:stretch>
-            <a:fillRect/>
-          </a:stretch>
-        </p:blipFill>
-        <p:spPr>
-          <a:xfrm>
-            <a:off x="10749513" y="32969"/>
-            <a:ext cx="1412026" cy="1355826"/>
-          </a:xfrm>
-          <a:prstGeom prst="rect">
-            <a:avLst/>
-          </a:prstGeom>
-          <a:noFill/>
-        </p:spPr>
-      </p:pic>
-      <p:pic>
-        <p:nvPicPr>
-          <p:cNvPr id="7" name="Picture 6">
-            <a:extLst>
-              <a:ext uri="{FF2B5EF4-FFF2-40B4-BE49-F238E27FC236}">
-                <a16:creationId xmlns:a16="http://schemas.microsoft.com/office/drawing/2014/main" id="{9A286EDD-C125-472D-AC79-64164B65CB65}"/>
-              </a:ext>
-            </a:extLst>
-          </p:cNvPr>
-          <p:cNvPicPr>
-            <a:picLocks noChangeAspect="1"/>
-          </p:cNvPicPr>
-          <p:nvPr/>
-        </p:nvPicPr>
-        <p:blipFill>
-          <a:blip r:embed="rId5">
             <a:extLst>
               <a:ext uri="{28A0092B-C50C-407E-A947-70E740481C1C}">
                 <a14:useLocalDpi xmlns:a14="http://schemas.microsoft.com/office/drawing/2010/main" val="0"/>
@@ -6221,8 +6141,8 @@
         </p:nvSpPr>
         <p:spPr>
           <a:xfrm>
-            <a:off x="2458584" y="330684"/>
-            <a:ext cx="8290929" cy="707886"/>
+            <a:off x="2257817" y="359394"/>
+            <a:ext cx="8491696" cy="707886"/>
           </a:xfrm>
           <a:prstGeom prst="rect">
             <a:avLst/>
@@ -6238,7 +6158,7 @@
             <a:pPr algn="ctr"/>
             <a:r>
               <a:rPr lang="en-US" sz="4000" dirty="0"/>
-              <a:t>Daily Trends For Upcoming Movies</a:t>
+              <a:t>Regression: Open to Budget &amp; Success</a:t>
             </a:r>
           </a:p>
         </p:txBody>
@@ -6248,7 +6168,7 @@
           <p:cNvPr id="4" name="Footer Placeholder 3">
             <a:extLst>
               <a:ext uri="{FF2B5EF4-FFF2-40B4-BE49-F238E27FC236}">
-                <a16:creationId xmlns:a16="http://schemas.microsoft.com/office/drawing/2014/main" id="{94FCC898-CF8B-4FDC-813D-B02E1D912466}"/>
+                <a16:creationId xmlns:a16="http://schemas.microsoft.com/office/drawing/2014/main" id="{0FAD60B5-3FD4-47F6-9F02-07F63FFA423C}"/>
               </a:ext>
             </a:extLst>
           </p:cNvPr>
@@ -6273,10 +6193,45 @@
       </p:sp>
       <p:pic>
         <p:nvPicPr>
-          <p:cNvPr id="5122" name="Picture 2" descr="PredictionDailySentiment_20180309.png">
-            <a:extLst>
-              <a:ext uri="{FF2B5EF4-FFF2-40B4-BE49-F238E27FC236}">
-                <a16:creationId xmlns:a16="http://schemas.microsoft.com/office/drawing/2014/main" id="{6BDE4337-8CCD-4AAC-887A-AEA96BD6056E}"/>
+          <p:cNvPr id="6" name="Picture 5">
+            <a:extLst>
+              <a:ext uri="{FF2B5EF4-FFF2-40B4-BE49-F238E27FC236}">
+                <a16:creationId xmlns:a16="http://schemas.microsoft.com/office/drawing/2014/main" id="{30F4E7DE-FC73-4837-A58A-9F8ED6464E32}"/>
+              </a:ext>
+            </a:extLst>
+          </p:cNvPr>
+          <p:cNvPicPr>
+            <a:picLocks noChangeAspect="1"/>
+          </p:cNvPicPr>
+          <p:nvPr/>
+        </p:nvPicPr>
+        <p:blipFill rotWithShape="1">
+          <a:blip r:embed="rId5">
+            <a:extLst>
+              <a:ext uri="{28A0092B-C50C-407E-A947-70E740481C1C}">
+                <a14:useLocalDpi xmlns:a14="http://schemas.microsoft.com/office/drawing/2010/main" val="0"/>
+              </a:ext>
+            </a:extLst>
+          </a:blip>
+          <a:srcRect l="5120" r="7588"/>
+          <a:stretch/>
+        </p:blipFill>
+        <p:spPr>
+          <a:xfrm>
+            <a:off x="-6517" y="1710311"/>
+            <a:ext cx="6059845" cy="4628014"/>
+          </a:xfrm>
+          <a:prstGeom prst="rect">
+            <a:avLst/>
+          </a:prstGeom>
+        </p:spPr>
+      </p:pic>
+      <p:pic>
+        <p:nvPicPr>
+          <p:cNvPr id="4100" name="Picture 4" descr="ZtotalVsTwitterSentiment.png">
+            <a:extLst>
+              <a:ext uri="{FF2B5EF4-FFF2-40B4-BE49-F238E27FC236}">
+                <a16:creationId xmlns:a16="http://schemas.microsoft.com/office/drawing/2014/main" id="{3AEAF765-0F4F-434C-84F7-A7A7FD683B6A}"/>
               </a:ext>
             </a:extLst>
           </p:cNvPr>
@@ -6285,7 +6240,7 @@
           </p:cNvPicPr>
           <p:nvPr/>
         </p:nvPicPr>
-        <p:blipFill>
+        <p:blipFill rotWithShape="1">
           <a:blip r:embed="rId6">
             <a:extLst>
               <a:ext uri="{28A0092B-C50C-407E-A947-70E740481C1C}">
@@ -6293,15 +6248,13 @@
               </a:ext>
             </a:extLst>
           </a:blip>
-          <a:srcRect/>
-          <a:stretch>
-            <a:fillRect/>
-          </a:stretch>
+          <a:srcRect l="4997" t="1" r="6936" b="-818"/>
+          <a:stretch/>
         </p:blipFill>
         <p:spPr bwMode="auto">
           <a:xfrm>
-            <a:off x="-344566" y="1710697"/>
-            <a:ext cx="6685710" cy="4457140"/>
+            <a:off x="5889157" y="1673734"/>
+            <a:ext cx="6272783" cy="4787411"/>
           </a:xfrm>
           <a:prstGeom prst="rect">
             <a:avLst/>
@@ -6321,7 +6274,7 @@
     </p:spTree>
     <p:extLst>
       <p:ext uri="{BB962C8B-B14F-4D97-AF65-F5344CB8AC3E}">
-        <p14:creationId xmlns:p14="http://schemas.microsoft.com/office/powerpoint/2010/main" val="587087165"/>
+        <p14:creationId xmlns:p14="http://schemas.microsoft.com/office/powerpoint/2010/main" val="1510243470"/>
       </p:ext>
     </p:extLst>
   </p:cSld>
@@ -6350,10 +6303,10 @@
       </p:grpSpPr>
       <p:pic>
         <p:nvPicPr>
-          <p:cNvPr id="6146" name="Picture 2" descr="PredictionDailySentiment_OpenSoon.png">
-            <a:extLst>
-              <a:ext uri="{FF2B5EF4-FFF2-40B4-BE49-F238E27FC236}">
-                <a16:creationId xmlns:a16="http://schemas.microsoft.com/office/drawing/2014/main" id="{7ADF7284-979F-4F58-BF13-EE0C8ADBCE4E}"/>
+          <p:cNvPr id="5124" name="Picture 4" descr="PredictionDailySentiment_20180316.png">
+            <a:extLst>
+              <a:ext uri="{FF2B5EF4-FFF2-40B4-BE49-F238E27FC236}">
+                <a16:creationId xmlns:a16="http://schemas.microsoft.com/office/drawing/2014/main" id="{35FC9A94-81BB-48C4-9149-AFACE55EF724}"/>
               </a:ext>
             </a:extLst>
           </p:cNvPr>
@@ -6377,8 +6330,8 @@
         </p:blipFill>
         <p:spPr bwMode="auto">
           <a:xfrm>
-            <a:off x="1505848" y="1023670"/>
-            <a:ext cx="8986997" cy="5991331"/>
+            <a:off x="5878829" y="1729080"/>
+            <a:ext cx="6630562" cy="4420374"/>
           </a:xfrm>
           <a:prstGeom prst="rect">
             <a:avLst/>
@@ -6525,7 +6478,7 @@
         </p:nvSpPr>
         <p:spPr>
           <a:xfrm>
-            <a:off x="2458584" y="315784"/>
+            <a:off x="2458584" y="330684"/>
             <a:ext cx="8290929" cy="707886"/>
           </a:xfrm>
           <a:prstGeom prst="rect">
@@ -6552,7 +6505,7 @@
           <p:cNvPr id="4" name="Footer Placeholder 3">
             <a:extLst>
               <a:ext uri="{FF2B5EF4-FFF2-40B4-BE49-F238E27FC236}">
-                <a16:creationId xmlns:a16="http://schemas.microsoft.com/office/drawing/2014/main" id="{0F67FE2B-69D1-4B0B-9998-2D01AE597E43}"/>
+                <a16:creationId xmlns:a16="http://schemas.microsoft.com/office/drawing/2014/main" id="{94FCC898-CF8B-4FDC-813D-B02E1D912466}"/>
               </a:ext>
             </a:extLst>
           </p:cNvPr>
@@ -6575,10 +6528,57 @@
           </a:p>
         </p:txBody>
       </p:sp>
+      <p:pic>
+        <p:nvPicPr>
+          <p:cNvPr id="5122" name="Picture 2" descr="PredictionDailySentiment_20180309.png">
+            <a:extLst>
+              <a:ext uri="{FF2B5EF4-FFF2-40B4-BE49-F238E27FC236}">
+                <a16:creationId xmlns:a16="http://schemas.microsoft.com/office/drawing/2014/main" id="{6BDE4337-8CCD-4AAC-887A-AEA96BD6056E}"/>
+              </a:ext>
+            </a:extLst>
+          </p:cNvPr>
+          <p:cNvPicPr>
+            <a:picLocks noChangeAspect="1" noChangeArrowheads="1"/>
+          </p:cNvPicPr>
+          <p:nvPr/>
+        </p:nvPicPr>
+        <p:blipFill>
+          <a:blip r:embed="rId6">
+            <a:extLst>
+              <a:ext uri="{28A0092B-C50C-407E-A947-70E740481C1C}">
+                <a14:useLocalDpi xmlns:a14="http://schemas.microsoft.com/office/drawing/2010/main" val="0"/>
+              </a:ext>
+            </a:extLst>
+          </a:blip>
+          <a:srcRect/>
+          <a:stretch>
+            <a:fillRect/>
+          </a:stretch>
+        </p:blipFill>
+        <p:spPr bwMode="auto">
+          <a:xfrm>
+            <a:off x="-344566" y="1710697"/>
+            <a:ext cx="6685710" cy="4457140"/>
+          </a:xfrm>
+          <a:prstGeom prst="rect">
+            <a:avLst/>
+          </a:prstGeom>
+          <a:noFill/>
+          <a:extLst>
+            <a:ext uri="{909E8E84-426E-40DD-AFC4-6F175D3DCCD1}">
+              <a14:hiddenFill xmlns:a14="http://schemas.microsoft.com/office/drawing/2010/main">
+                <a:solidFill>
+                  <a:srgbClr val="FFFFFF"/>
+                </a:solidFill>
+              </a14:hiddenFill>
+            </a:ext>
+          </a:extLst>
+        </p:spPr>
+      </p:pic>
     </p:spTree>
     <p:extLst>
       <p:ext uri="{BB962C8B-B14F-4D97-AF65-F5344CB8AC3E}">
-        <p14:creationId xmlns:p14="http://schemas.microsoft.com/office/powerpoint/2010/main" val="2422308844"/>
+        <p14:creationId xmlns:p14="http://schemas.microsoft.com/office/powerpoint/2010/main" val="587087165"/>
       </p:ext>
     </p:extLst>
   </p:cSld>
@@ -6607,19 +6607,19 @@
       </p:grpSpPr>
       <p:pic>
         <p:nvPicPr>
-          <p:cNvPr id="3" name="Picture 2">
-            <a:extLst>
-              <a:ext uri="{FF2B5EF4-FFF2-40B4-BE49-F238E27FC236}">
-                <a16:creationId xmlns:a16="http://schemas.microsoft.com/office/drawing/2014/main" id="{AC28AF03-6649-45EC-ADA5-FBEFBE23C008}"/>
+          <p:cNvPr id="6146" name="Picture 2" descr="PredictionDailySentiment_OpenSoon.png">
+            <a:extLst>
+              <a:ext uri="{FF2B5EF4-FFF2-40B4-BE49-F238E27FC236}">
+                <a16:creationId xmlns:a16="http://schemas.microsoft.com/office/drawing/2014/main" id="{7ADF7284-979F-4F58-BF13-EE0C8ADBCE4E}"/>
               </a:ext>
             </a:extLst>
           </p:cNvPr>
           <p:cNvPicPr>
-            <a:picLocks noChangeAspect="1"/>
+            <a:picLocks noChangeAspect="1" noChangeArrowheads="1"/>
           </p:cNvPicPr>
           <p:nvPr/>
         </p:nvPicPr>
-        <p:blipFill rotWithShape="1">
+        <p:blipFill>
           <a:blip r:embed="rId3">
             <a:extLst>
               <a:ext uri="{28A0092B-C50C-407E-A947-70E740481C1C}">
@@ -6627,17 +6627,29 @@
               </a:ext>
             </a:extLst>
           </a:blip>
-          <a:srcRect l="7302" t="5456" r="8535" b="6101"/>
-          <a:stretch/>
+          <a:srcRect/>
+          <a:stretch>
+            <a:fillRect/>
+          </a:stretch>
         </p:blipFill>
-        <p:spPr>
-          <a:xfrm>
-            <a:off x="119947" y="1577301"/>
-            <a:ext cx="6158023" cy="4314213"/>
+        <p:spPr bwMode="auto">
+          <a:xfrm>
+            <a:off x="1505848" y="1023670"/>
+            <a:ext cx="8986997" cy="5991331"/>
           </a:xfrm>
           <a:prstGeom prst="rect">
             <a:avLst/>
           </a:prstGeom>
+          <a:noFill/>
+          <a:extLst>
+            <a:ext uri="{909E8E84-426E-40DD-AFC4-6F175D3DCCD1}">
+              <a14:hiddenFill xmlns:a14="http://schemas.microsoft.com/office/drawing/2010/main">
+                <a:solidFill>
+                  <a:srgbClr val="FFFFFF"/>
+                </a:solidFill>
+              </a14:hiddenFill>
+            </a:ext>
+          </a:extLst>
         </p:spPr>
       </p:pic>
       <p:pic>
@@ -6758,38 +6770,10 @@
       </p:cxnSp>
       <p:sp>
         <p:nvSpPr>
-          <p:cNvPr id="4" name="Footer Placeholder 3">
-            <a:extLst>
-              <a:ext uri="{FF2B5EF4-FFF2-40B4-BE49-F238E27FC236}">
-                <a16:creationId xmlns:a16="http://schemas.microsoft.com/office/drawing/2014/main" id="{0F67FE2B-69D1-4B0B-9998-2D01AE597E43}"/>
-              </a:ext>
-            </a:extLst>
-          </p:cNvPr>
-          <p:cNvSpPr>
-            <a:spLocks noGrp="1"/>
-          </p:cNvSpPr>
-          <p:nvPr>
-            <p:ph type="ftr" sz="quarter" idx="11"/>
-          </p:nvPr>
-        </p:nvSpPr>
-        <p:spPr/>
-        <p:txBody>
-          <a:bodyPr/>
-          <a:lstStyle/>
-          <a:p>
-            <a:r>
-              <a:rPr lang="en-US" dirty="0"/>
-              <a:t>Dream Reapers</a:t>
-            </a:r>
-          </a:p>
-        </p:txBody>
-      </p:sp>
-      <p:sp>
-        <p:nvSpPr>
-          <p:cNvPr id="8" name="TextBox 7">
-            <a:extLst>
-              <a:ext uri="{FF2B5EF4-FFF2-40B4-BE49-F238E27FC236}">
-                <a16:creationId xmlns:a16="http://schemas.microsoft.com/office/drawing/2014/main" id="{97030885-E526-43FB-9E8F-E5DFE294FAE1}"/>
+          <p:cNvPr id="2" name="TextBox 1">
+            <a:extLst>
+              <a:ext uri="{FF2B5EF4-FFF2-40B4-BE49-F238E27FC236}">
+                <a16:creationId xmlns:a16="http://schemas.microsoft.com/office/drawing/2014/main" id="{E0F49959-D49E-4B68-BEA7-AAD9B3E10EAC}"/>
               </a:ext>
             </a:extLst>
           </p:cNvPr>
@@ -6798,7 +6782,7 @@
         </p:nvSpPr>
         <p:spPr>
           <a:xfrm>
-            <a:off x="2458584" y="319029"/>
+            <a:off x="2458584" y="315784"/>
             <a:ext cx="8290929" cy="707886"/>
           </a:xfrm>
           <a:prstGeom prst="rect">
@@ -6815,51 +6799,43 @@
             <a:pPr algn="ctr"/>
             <a:r>
               <a:rPr lang="en-US" sz="4000" dirty="0"/>
-              <a:t>Predictions</a:t>
-            </a:r>
-          </a:p>
-        </p:txBody>
-      </p:sp>
-      <p:pic>
-        <p:nvPicPr>
-          <p:cNvPr id="15" name="Picture 14">
-            <a:extLst>
-              <a:ext uri="{FF2B5EF4-FFF2-40B4-BE49-F238E27FC236}">
-                <a16:creationId xmlns:a16="http://schemas.microsoft.com/office/drawing/2014/main" id="{79411BAE-8640-4261-8A42-76FF745E3602}"/>
-              </a:ext>
-            </a:extLst>
-          </p:cNvPr>
-          <p:cNvPicPr>
-            <a:picLocks noChangeAspect="1"/>
-          </p:cNvPicPr>
-          <p:nvPr/>
-        </p:nvPicPr>
-        <p:blipFill>
-          <a:blip r:embed="rId6">
-            <a:extLst>
-              <a:ext uri="{28A0092B-C50C-407E-A947-70E740481C1C}">
-                <a14:useLocalDpi xmlns:a14="http://schemas.microsoft.com/office/drawing/2010/main" val="0"/>
-              </a:ext>
-            </a:extLst>
-          </a:blip>
-          <a:stretch>
-            <a:fillRect/>
-          </a:stretch>
-        </p:blipFill>
-        <p:spPr>
-          <a:xfrm>
-            <a:off x="6265257" y="1911784"/>
-            <a:ext cx="5695515" cy="3559697"/>
-          </a:xfrm>
-          <a:prstGeom prst="rect">
-            <a:avLst/>
-          </a:prstGeom>
-        </p:spPr>
-      </p:pic>
+              <a:t>Daily Trends For Upcoming Movies</a:t>
+            </a:r>
+          </a:p>
+        </p:txBody>
+      </p:sp>
+      <p:sp>
+        <p:nvSpPr>
+          <p:cNvPr id="4" name="Footer Placeholder 3">
+            <a:extLst>
+              <a:ext uri="{FF2B5EF4-FFF2-40B4-BE49-F238E27FC236}">
+                <a16:creationId xmlns:a16="http://schemas.microsoft.com/office/drawing/2014/main" id="{0F67FE2B-69D1-4B0B-9998-2D01AE597E43}"/>
+              </a:ext>
+            </a:extLst>
+          </p:cNvPr>
+          <p:cNvSpPr>
+            <a:spLocks noGrp="1"/>
+          </p:cNvSpPr>
+          <p:nvPr>
+            <p:ph type="ftr" sz="quarter" idx="11"/>
+          </p:nvPr>
+        </p:nvSpPr>
+        <p:spPr/>
+        <p:txBody>
+          <a:bodyPr/>
+          <a:lstStyle/>
+          <a:p>
+            <a:r>
+              <a:rPr lang="en-US" dirty="0"/>
+              <a:t>Dream Reapers</a:t>
+            </a:r>
+          </a:p>
+        </p:txBody>
+      </p:sp>
     </p:spTree>
     <p:extLst>
       <p:ext uri="{BB962C8B-B14F-4D97-AF65-F5344CB8AC3E}">
-        <p14:creationId xmlns:p14="http://schemas.microsoft.com/office/powerpoint/2010/main" val="3936381306"/>
+        <p14:creationId xmlns:p14="http://schemas.microsoft.com/office/powerpoint/2010/main" val="2422308844"/>
       </p:ext>
     </p:extLst>
   </p:cSld>
@@ -6888,10 +6864,10 @@
       </p:grpSpPr>
       <p:pic>
         <p:nvPicPr>
-          <p:cNvPr id="2" name="Picture 1">
-            <a:extLst>
-              <a:ext uri="{FF2B5EF4-FFF2-40B4-BE49-F238E27FC236}">
-                <a16:creationId xmlns:a16="http://schemas.microsoft.com/office/drawing/2014/main" id="{2EDA2CC4-6D56-4650-B43C-D6B42C0ABA35}"/>
+          <p:cNvPr id="6" name="Picture 5">
+            <a:extLst>
+              <a:ext uri="{FF2B5EF4-FFF2-40B4-BE49-F238E27FC236}">
+                <a16:creationId xmlns:a16="http://schemas.microsoft.com/office/drawing/2014/main" id="{628017A9-ED17-47D4-A608-3EA9C55D5973}"/>
               </a:ext>
             </a:extLst>
           </p:cNvPr>
@@ -6901,15 +6877,21 @@
           <p:nvPr/>
         </p:nvPicPr>
         <p:blipFill>
-          <a:blip r:embed="rId3"/>
+          <a:blip r:embed="rId3">
+            <a:extLst>
+              <a:ext uri="{28A0092B-C50C-407E-A947-70E740481C1C}">
+                <a14:useLocalDpi xmlns:a14="http://schemas.microsoft.com/office/drawing/2010/main" val="0"/>
+              </a:ext>
+            </a:extLst>
+          </a:blip>
           <a:stretch>
             <a:fillRect/>
           </a:stretch>
         </p:blipFill>
         <p:spPr>
           <a:xfrm>
-            <a:off x="1465347" y="1115807"/>
-            <a:ext cx="8821653" cy="5513533"/>
+            <a:off x="1711929" y="1004055"/>
+            <a:ext cx="8780916" cy="5853944"/>
           </a:xfrm>
           <a:prstGeom prst="rect">
             <a:avLst/>
@@ -7091,7 +7073,7 @@
             <a:pPr algn="ctr"/>
             <a:r>
               <a:rPr lang="en-US" sz="4000" dirty="0"/>
-              <a:t>Movie Opening Revenue and Budget</a:t>
+              <a:t>Predictions</a:t>
             </a:r>
           </a:p>
         </p:txBody>
@@ -7099,7 +7081,7 @@
     </p:spTree>
     <p:extLst>
       <p:ext uri="{BB962C8B-B14F-4D97-AF65-F5344CB8AC3E}">
-        <p14:creationId xmlns:p14="http://schemas.microsoft.com/office/powerpoint/2010/main" val="919353379"/>
+        <p14:creationId xmlns:p14="http://schemas.microsoft.com/office/powerpoint/2010/main" val="3936381306"/>
       </p:ext>
     </p:extLst>
   </p:cSld>
@@ -10273,10 +10255,10 @@
       </p:grpSpPr>
       <p:pic>
         <p:nvPicPr>
-          <p:cNvPr id="5" name="Picture 4">
-            <a:extLst>
-              <a:ext uri="{FF2B5EF4-FFF2-40B4-BE49-F238E27FC236}">
-                <a16:creationId xmlns:a16="http://schemas.microsoft.com/office/drawing/2014/main" id="{D1C69375-41F1-45F5-8E7B-E534E64F2A6F}"/>
+          <p:cNvPr id="9" name="Picture 8">
+            <a:extLst>
+              <a:ext uri="{FF2B5EF4-FFF2-40B4-BE49-F238E27FC236}">
+                <a16:creationId xmlns:a16="http://schemas.microsoft.com/office/drawing/2014/main" id="{EEBF4E56-F66C-4974-A484-77629A6A5B0F}"/>
               </a:ext>
             </a:extLst>
           </p:cNvPr>
@@ -10286,34 +10268,27 @@
           <p:nvPr/>
         </p:nvPicPr>
         <p:blipFill>
-          <a:blip r:embed="rId3">
-            <a:extLst>
-              <a:ext uri="{28A0092B-C50C-407E-A947-70E740481C1C}">
-                <a14:useLocalDpi xmlns:a14="http://schemas.microsoft.com/office/drawing/2010/main" val="0"/>
-              </a:ext>
-            </a:extLst>
-          </a:blip>
+          <a:blip r:embed="rId3"/>
           <a:stretch>
             <a:fillRect/>
           </a:stretch>
         </p:blipFill>
         <p:spPr>
           <a:xfrm>
-            <a:off x="10749513" y="32969"/>
-            <a:ext cx="1412026" cy="1355826"/>
+            <a:off x="-283059" y="1620063"/>
+            <a:ext cx="7060104" cy="4412565"/>
           </a:xfrm>
           <a:prstGeom prst="rect">
             <a:avLst/>
           </a:prstGeom>
-          <a:noFill/>
         </p:spPr>
       </p:pic>
       <p:pic>
         <p:nvPicPr>
-          <p:cNvPr id="7" name="Picture 6">
-            <a:extLst>
-              <a:ext uri="{FF2B5EF4-FFF2-40B4-BE49-F238E27FC236}">
-                <a16:creationId xmlns:a16="http://schemas.microsoft.com/office/drawing/2014/main" id="{9A286EDD-C125-472D-AC79-64164B65CB65}"/>
+          <p:cNvPr id="5" name="Picture 4">
+            <a:extLst>
+              <a:ext uri="{FF2B5EF4-FFF2-40B4-BE49-F238E27FC236}">
+                <a16:creationId xmlns:a16="http://schemas.microsoft.com/office/drawing/2014/main" id="{D1C69375-41F1-45F5-8E7B-E534E64F2A6F}"/>
               </a:ext>
             </a:extLst>
           </p:cNvPr>
@@ -10324,6 +10299,43 @@
         </p:nvPicPr>
         <p:blipFill>
           <a:blip r:embed="rId4">
+            <a:extLst>
+              <a:ext uri="{28A0092B-C50C-407E-A947-70E740481C1C}">
+                <a14:useLocalDpi xmlns:a14="http://schemas.microsoft.com/office/drawing/2010/main" val="0"/>
+              </a:ext>
+            </a:extLst>
+          </a:blip>
+          <a:stretch>
+            <a:fillRect/>
+          </a:stretch>
+        </p:blipFill>
+        <p:spPr>
+          <a:xfrm>
+            <a:off x="10749513" y="32969"/>
+            <a:ext cx="1412026" cy="1355826"/>
+          </a:xfrm>
+          <a:prstGeom prst="rect">
+            <a:avLst/>
+          </a:prstGeom>
+          <a:noFill/>
+        </p:spPr>
+      </p:pic>
+      <p:pic>
+        <p:nvPicPr>
+          <p:cNvPr id="7" name="Picture 6">
+            <a:extLst>
+              <a:ext uri="{FF2B5EF4-FFF2-40B4-BE49-F238E27FC236}">
+                <a16:creationId xmlns:a16="http://schemas.microsoft.com/office/drawing/2014/main" id="{9A286EDD-C125-472D-AC79-64164B65CB65}"/>
+              </a:ext>
+            </a:extLst>
+          </p:cNvPr>
+          <p:cNvPicPr>
+            <a:picLocks noChangeAspect="1"/>
+          </p:cNvPicPr>
+          <p:nvPr/>
+        </p:nvPicPr>
+        <p:blipFill>
+          <a:blip r:embed="rId5">
             <a:extLst>
               <a:ext uri="{28A0092B-C50C-407E-A947-70E740481C1C}">
                 <a14:useLocalDpi xmlns:a14="http://schemas.microsoft.com/office/drawing/2010/main" val="0"/>
@@ -10415,53 +10427,6 @@
           </a:p>
         </p:txBody>
       </p:sp>
-      <p:pic>
-        <p:nvPicPr>
-          <p:cNvPr id="1026" name="Picture 2" descr="BudgetVsTwitterSentiment.png">
-            <a:extLst>
-              <a:ext uri="{FF2B5EF4-FFF2-40B4-BE49-F238E27FC236}">
-                <a16:creationId xmlns:a16="http://schemas.microsoft.com/office/drawing/2014/main" id="{A44D9711-6DD6-4C83-A7FC-3FB8693328DE}"/>
-              </a:ext>
-            </a:extLst>
-          </p:cNvPr>
-          <p:cNvPicPr>
-            <a:picLocks noChangeAspect="1" noChangeArrowheads="1"/>
-          </p:cNvPicPr>
-          <p:nvPr/>
-        </p:nvPicPr>
-        <p:blipFill>
-          <a:blip r:embed="rId5">
-            <a:extLst>
-              <a:ext uri="{28A0092B-C50C-407E-A947-70E740481C1C}">
-                <a14:useLocalDpi xmlns:a14="http://schemas.microsoft.com/office/drawing/2010/main" val="0"/>
-              </a:ext>
-            </a:extLst>
-          </a:blip>
-          <a:srcRect/>
-          <a:stretch>
-            <a:fillRect/>
-          </a:stretch>
-        </p:blipFill>
-        <p:spPr bwMode="auto">
-          <a:xfrm>
-            <a:off x="125730" y="1834554"/>
-            <a:ext cx="5801448" cy="3983661"/>
-          </a:xfrm>
-          <a:prstGeom prst="rect">
-            <a:avLst/>
-          </a:prstGeom>
-          <a:noFill/>
-          <a:extLst>
-            <a:ext uri="{909E8E84-426E-40DD-AFC4-6F175D3DCCD1}">
-              <a14:hiddenFill xmlns:a14="http://schemas.microsoft.com/office/drawing/2010/main">
-                <a:solidFill>
-                  <a:srgbClr val="FFFFFF"/>
-                </a:solidFill>
-              </a14:hiddenFill>
-            </a:ext>
-          </a:extLst>
-        </p:spPr>
-      </p:pic>
       <p:sp>
         <p:nvSpPr>
           <p:cNvPr id="13" name="TextBox 12">

--- a/Dream Reapers V6.pptx
+++ b/Dream Reapers V6.pptx
@@ -1882,19 +1882,7 @@
           <a:bodyPr/>
           <a:lstStyle/>
           <a:p>
-            <a:r>
-              <a:rPr lang="en-US" dirty="0"/>
-              <a:t>We were also able to run predictions based on our overall regression model. While the model is supposed to be run prospectively, it does work movies in the past. We graphed the last weekend movies based solely on our model. The purple squares represent what our model predicts as the movie success score, while the green triangles represent the actual movie success score of the same movies based on their actual revenues, ratings, and budgets. Lastly, we have built in code that will allow you to enter any movie that you want to search, we will search for twitter for the recent twitter sentiment and then use that sentiment to predict score based on genre, rating and our overall regression model.</a:t>
-            </a:r>
-          </a:p>
-          <a:p>
             <a:endParaRPr lang="en-US" dirty="0"/>
-          </a:p>
-          <a:p>
-            <a:r>
-              <a:rPr lang="en-US" dirty="0"/>
-              <a:t>[May want to run the code a couple of times.]</a:t>
-            </a:r>
           </a:p>
         </p:txBody>
       </p:sp>
@@ -5936,15 +5924,15 @@
       </p:sp>
       <p:pic>
         <p:nvPicPr>
-          <p:cNvPr id="3074" name="Picture 2" descr="GenreBudgetRevenue.png">
-            <a:extLst>
-              <a:ext uri="{FF2B5EF4-FFF2-40B4-BE49-F238E27FC236}">
-                <a16:creationId xmlns:a16="http://schemas.microsoft.com/office/drawing/2014/main" id="{5E320FCB-8989-46E5-B609-5F8CECF03E9E}"/>
+          <p:cNvPr id="6" name="Picture 5">
+            <a:extLst>
+              <a:ext uri="{FF2B5EF4-FFF2-40B4-BE49-F238E27FC236}">
+                <a16:creationId xmlns:a16="http://schemas.microsoft.com/office/drawing/2014/main" id="{CDDB1491-48EC-454E-A448-97AEB9446910}"/>
               </a:ext>
             </a:extLst>
           </p:cNvPr>
           <p:cNvPicPr>
-            <a:picLocks noChangeAspect="1" noChangeArrowheads="1"/>
+            <a:picLocks noChangeAspect="1"/>
           </p:cNvPicPr>
           <p:nvPr/>
         </p:nvPicPr>
@@ -5956,29 +5944,18 @@
               </a:ext>
             </a:extLst>
           </a:blip>
-          <a:srcRect/>
           <a:stretch>
             <a:fillRect/>
           </a:stretch>
         </p:blipFill>
-        <p:spPr bwMode="auto">
-          <a:xfrm>
-            <a:off x="128356" y="1891960"/>
-            <a:ext cx="5864773" cy="4646952"/>
+        <p:spPr>
+          <a:xfrm>
+            <a:off x="120504" y="1917503"/>
+            <a:ext cx="5975496" cy="4642121"/>
           </a:xfrm>
           <a:prstGeom prst="rect">
             <a:avLst/>
           </a:prstGeom>
-          <a:noFill/>
-          <a:extLst>
-            <a:ext uri="{909E8E84-426E-40DD-AFC4-6F175D3DCCD1}">
-              <a14:hiddenFill xmlns:a14="http://schemas.microsoft.com/office/drawing/2010/main">
-                <a:solidFill>
-                  <a:srgbClr val="FFFFFF"/>
-                </a:solidFill>
-              </a14:hiddenFill>
-            </a:ext>
-          </a:extLst>
         </p:spPr>
       </p:pic>
     </p:spTree>
@@ -8351,7 +8328,7 @@
                 </a:solidFill>
                 <a:latin typeface="Arial" panose="020B0604020202020204" pitchFamily="34" charset="0"/>
               </a:rPr>
-              <a:t>For this analysis opening box office gross sales were used to remove longevity biases</a:t>
+              <a:t>For this analysis weekend opening box office gross sales were used to remove longevity biases</a:t>
             </a:r>
           </a:p>
           <a:p>
